--- a/link check.pptx
+++ b/link check.pptx
@@ -117,6 +117,35 @@
     </p:ext>
   </p:extLst>
 </p:presentation>
+</file>
+
+<file path=ppt/changesInfos/changesInfo1.xml><?xml version="1.0" encoding="utf-8"?>
+<pc:chgInfo xmlns:a="http://schemas.openxmlformats.org/drawingml/2006/main" xmlns:r="http://schemas.openxmlformats.org/officeDocument/2006/relationships" xmlns:ac="http://schemas.microsoft.com/office/drawing/2013/main/command" xmlns:pc="http://schemas.microsoft.com/office/powerpoint/2013/main/command">
+  <pc:docChgLst>
+    <pc:chgData name="Iftach Shalev" userId="214029db-b67f-477e-a69a-e1e68fba96b5" providerId="ADAL" clId="{04FBB6F4-09D8-4745-A93E-FAD80DE5A878}"/>
+    <pc:docChg chg="modSld">
+      <pc:chgData name="Iftach Shalev" userId="214029db-b67f-477e-a69a-e1e68fba96b5" providerId="ADAL" clId="{04FBB6F4-09D8-4745-A93E-FAD80DE5A878}" dt="2023-02-15T13:51:15.125" v="26" actId="20577"/>
+      <pc:docMkLst>
+        <pc:docMk/>
+      </pc:docMkLst>
+      <pc:sldChg chg="modSp mod">
+        <pc:chgData name="Iftach Shalev" userId="214029db-b67f-477e-a69a-e1e68fba96b5" providerId="ADAL" clId="{04FBB6F4-09D8-4745-A93E-FAD80DE5A878}" dt="2023-02-15T13:51:15.125" v="26" actId="20577"/>
+        <pc:sldMkLst>
+          <pc:docMk/>
+          <pc:sldMk cId="3321785240" sldId="257"/>
+        </pc:sldMkLst>
+        <pc:spChg chg="mod">
+          <ac:chgData name="Iftach Shalev" userId="214029db-b67f-477e-a69a-e1e68fba96b5" providerId="ADAL" clId="{04FBB6F4-09D8-4745-A93E-FAD80DE5A878}" dt="2023-02-15T13:51:15.125" v="26" actId="20577"/>
+          <ac:spMkLst>
+            <pc:docMk/>
+            <pc:sldMk cId="3321785240" sldId="257"/>
+            <ac:spMk id="3" creationId="{D98866EC-0217-6D8E-B749-08F46EA9CB32}"/>
+          </ac:spMkLst>
+        </pc:spChg>
+      </pc:sldChg>
+    </pc:docChg>
+  </pc:docChgLst>
+</pc:chgInfo>
 </file>
 
 <file path=ppt/slideLayouts/slideLayout1.xml><?xml version="1.0" encoding="utf-8"?>
@@ -6240,6 +6269,20 @@
           <a:bodyPr/>
           <a:lstStyle/>
           <a:p>
+            <a:r>
+              <a:rPr lang="he-IL" dirty="0" err="1"/>
+              <a:t>פישינג</a:t>
+            </a:r>
+            <a:endParaRPr lang="he-IL" dirty="0"/>
+          </a:p>
+          <a:p>
+            <a:r>
+              <a:rPr lang="he-IL" dirty="0" err="1"/>
+              <a:t>סכאמס</a:t>
+            </a:r>
+            <a:endParaRPr lang="he-IL" dirty="0"/>
+          </a:p>
+          <a:p>
             <a:endParaRPr lang="he-IL" dirty="0"/>
           </a:p>
         </p:txBody>
